--- a/figures/renderings/render_grids.pptx
+++ b/figures/renderings/render_grids.pptx
@@ -8,6 +8,7 @@
     <p:sldId id="256" r:id="rId2"/>
     <p:sldId id="257" r:id="rId3"/>
     <p:sldId id="258" r:id="rId4"/>
+    <p:sldId id="259" r:id="rId5"/>
   </p:sldIdLst>
   <p:sldSz cx="9144000" cy="9144000"/>
   <p:notesSz cx="6858000" cy="9144000"/>
@@ -106,6 +107,11 @@
       </a:defRPr>
     </a:lvl9pPr>
   </p:defaultTextStyle>
+  <p:extLst>
+    <p:ext uri="{EFAFB233-063F-42B5-8137-9DF3F51BA10A}">
+      <p15:sldGuideLst xmlns:p15="http://schemas.microsoft.com/office/powerpoint/2012/main"/>
+    </p:ext>
+  </p:extLst>
 </p:presentation>
 </file>
 
@@ -240,7 +246,7 @@
           <a:p>
             <a:fld id="{9A5C25D2-7F64-40C3-BA4A-BB23BD50CC1F}" type="datetimeFigureOut">
               <a:rPr lang="en-US" smtClean="0"/>
-              <a:t>2/8/2023</a:t>
+              <a:t>3/2/2023</a:t>
             </a:fld>
             <a:endParaRPr lang="en-US"/>
           </a:p>
@@ -410,7 +416,7 @@
           <a:p>
             <a:fld id="{9A5C25D2-7F64-40C3-BA4A-BB23BD50CC1F}" type="datetimeFigureOut">
               <a:rPr lang="en-US" smtClean="0"/>
-              <a:t>2/8/2023</a:t>
+              <a:t>3/2/2023</a:t>
             </a:fld>
             <a:endParaRPr lang="en-US"/>
           </a:p>
@@ -590,7 +596,7 @@
           <a:p>
             <a:fld id="{9A5C25D2-7F64-40C3-BA4A-BB23BD50CC1F}" type="datetimeFigureOut">
               <a:rPr lang="en-US" smtClean="0"/>
-              <a:t>2/8/2023</a:t>
+              <a:t>3/2/2023</a:t>
             </a:fld>
             <a:endParaRPr lang="en-US"/>
           </a:p>
@@ -760,7 +766,7 @@
           <a:p>
             <a:fld id="{9A5C25D2-7F64-40C3-BA4A-BB23BD50CC1F}" type="datetimeFigureOut">
               <a:rPr lang="en-US" smtClean="0"/>
-              <a:t>2/8/2023</a:t>
+              <a:t>3/2/2023</a:t>
             </a:fld>
             <a:endParaRPr lang="en-US"/>
           </a:p>
@@ -1004,7 +1010,7 @@
           <a:p>
             <a:fld id="{9A5C25D2-7F64-40C3-BA4A-BB23BD50CC1F}" type="datetimeFigureOut">
               <a:rPr lang="en-US" smtClean="0"/>
-              <a:t>2/8/2023</a:t>
+              <a:t>3/2/2023</a:t>
             </a:fld>
             <a:endParaRPr lang="en-US"/>
           </a:p>
@@ -1236,7 +1242,7 @@
           <a:p>
             <a:fld id="{9A5C25D2-7F64-40C3-BA4A-BB23BD50CC1F}" type="datetimeFigureOut">
               <a:rPr lang="en-US" smtClean="0"/>
-              <a:t>2/8/2023</a:t>
+              <a:t>3/2/2023</a:t>
             </a:fld>
             <a:endParaRPr lang="en-US"/>
           </a:p>
@@ -1603,7 +1609,7 @@
           <a:p>
             <a:fld id="{9A5C25D2-7F64-40C3-BA4A-BB23BD50CC1F}" type="datetimeFigureOut">
               <a:rPr lang="en-US" smtClean="0"/>
-              <a:t>2/8/2023</a:t>
+              <a:t>3/2/2023</a:t>
             </a:fld>
             <a:endParaRPr lang="en-US"/>
           </a:p>
@@ -1721,7 +1727,7 @@
           <a:p>
             <a:fld id="{9A5C25D2-7F64-40C3-BA4A-BB23BD50CC1F}" type="datetimeFigureOut">
               <a:rPr lang="en-US" smtClean="0"/>
-              <a:t>2/8/2023</a:t>
+              <a:t>3/2/2023</a:t>
             </a:fld>
             <a:endParaRPr lang="en-US"/>
           </a:p>
@@ -1816,7 +1822,7 @@
           <a:p>
             <a:fld id="{9A5C25D2-7F64-40C3-BA4A-BB23BD50CC1F}" type="datetimeFigureOut">
               <a:rPr lang="en-US" smtClean="0"/>
-              <a:t>2/8/2023</a:t>
+              <a:t>3/2/2023</a:t>
             </a:fld>
             <a:endParaRPr lang="en-US"/>
           </a:p>
@@ -2093,7 +2099,7 @@
           <a:p>
             <a:fld id="{9A5C25D2-7F64-40C3-BA4A-BB23BD50CC1F}" type="datetimeFigureOut">
               <a:rPr lang="en-US" smtClean="0"/>
-              <a:t>2/8/2023</a:t>
+              <a:t>3/2/2023</a:t>
             </a:fld>
             <a:endParaRPr lang="en-US"/>
           </a:p>
@@ -2350,7 +2356,7 @@
           <a:p>
             <a:fld id="{9A5C25D2-7F64-40C3-BA4A-BB23BD50CC1F}" type="datetimeFigureOut">
               <a:rPr lang="en-US" smtClean="0"/>
-              <a:t>2/8/2023</a:t>
+              <a:t>3/2/2023</a:t>
             </a:fld>
             <a:endParaRPr lang="en-US"/>
           </a:p>
@@ -2563,7 +2569,7 @@
           <a:p>
             <a:fld id="{9A5C25D2-7F64-40C3-BA4A-BB23BD50CC1F}" type="datetimeFigureOut">
               <a:rPr lang="en-US" smtClean="0"/>
-              <a:t>2/8/2023</a:t>
+              <a:t>3/2/2023</a:t>
             </a:fld>
             <a:endParaRPr lang="en-US"/>
           </a:p>
@@ -4058,6 +4064,311 @@
 </p:sld>
 </file>
 
+<file path=ppt/slides/slide4.xml><?xml version="1.0" encoding="utf-8"?>
+<p:sld xmlns:a="http://schemas.openxmlformats.org/drawingml/2006/main" xmlns:r="http://schemas.openxmlformats.org/officeDocument/2006/relationships" xmlns:p="http://schemas.openxmlformats.org/presentationml/2006/main">
+  <p:cSld>
+    <p:spTree>
+      <p:nvGrpSpPr>
+        <p:cNvPr id="1" name=""/>
+        <p:cNvGrpSpPr/>
+        <p:nvPr/>
+      </p:nvGrpSpPr>
+      <p:grpSpPr>
+        <a:xfrm>
+          <a:off x="0" y="0"/>
+          <a:ext cx="0" cy="0"/>
+          <a:chOff x="0" y="0"/>
+          <a:chExt cx="0" cy="0"/>
+        </a:xfrm>
+      </p:grpSpPr>
+      <p:pic>
+        <p:nvPicPr>
+          <p:cNvPr id="11" name="Picture 10">
+            <a:extLst>
+              <a:ext uri="{FF2B5EF4-FFF2-40B4-BE49-F238E27FC236}">
+                <a16:creationId xmlns:a16="http://schemas.microsoft.com/office/drawing/2014/main" id="{87C3CDAF-6B58-4E6A-8D3B-9CE79FAFC1F6}"/>
+              </a:ext>
+            </a:extLst>
+          </p:cNvPr>
+          <p:cNvPicPr>
+            <a:picLocks noChangeAspect="1"/>
+          </p:cNvPicPr>
+          <p:nvPr/>
+        </p:nvPicPr>
+        <p:blipFill>
+          <a:blip r:embed="rId2">
+            <a:extLst>
+              <a:ext uri="{28A0092B-C50C-407E-A947-70E740481C1C}">
+                <a14:useLocalDpi xmlns:a14="http://schemas.microsoft.com/office/drawing/2010/main" val="0"/>
+              </a:ext>
+            </a:extLst>
+          </a:blip>
+          <a:stretch>
+            <a:fillRect/>
+          </a:stretch>
+        </p:blipFill>
+        <p:spPr>
+          <a:xfrm>
+            <a:off x="0" y="4572000"/>
+            <a:ext cx="4572000" cy="4572000"/>
+          </a:xfrm>
+          <a:prstGeom prst="rect">
+            <a:avLst/>
+          </a:prstGeom>
+          <a:ln w="28575">
+            <a:solidFill>
+              <a:schemeClr val="tx1"/>
+            </a:solidFill>
+          </a:ln>
+        </p:spPr>
+      </p:pic>
+      <p:sp>
+        <p:nvSpPr>
+          <p:cNvPr id="12" name="TextBox 11">
+            <a:extLst>
+              <a:ext uri="{FF2B5EF4-FFF2-40B4-BE49-F238E27FC236}">
+                <a16:creationId xmlns:a16="http://schemas.microsoft.com/office/drawing/2014/main" id="{75BDC9FB-C5D0-4C14-8329-8E5E4A69E566}"/>
+              </a:ext>
+            </a:extLst>
+          </p:cNvPr>
+          <p:cNvSpPr txBox="1"/>
+          <p:nvPr/>
+        </p:nvSpPr>
+        <p:spPr>
+          <a:xfrm>
+            <a:off x="-2926080" y="1988820"/>
+            <a:ext cx="1031051" cy="369332"/>
+          </a:xfrm>
+          <a:prstGeom prst="rect">
+            <a:avLst/>
+          </a:prstGeom>
+          <a:noFill/>
+        </p:spPr>
+        <p:txBody>
+          <a:bodyPr wrap="none" rtlCol="0">
+            <a:spAutoFit/>
+          </a:bodyPr>
+          <a:lstStyle/>
+          <a:p>
+            <a:r>
+              <a:rPr lang="en-US" dirty="0"/>
+              <a:t>XBB.1.5</a:t>
+            </a:r>
+          </a:p>
+        </p:txBody>
+      </p:sp>
+      <p:sp>
+        <p:nvSpPr>
+          <p:cNvPr id="16" name="TextBox 15">
+            <a:extLst>
+              <a:ext uri="{FF2B5EF4-FFF2-40B4-BE49-F238E27FC236}">
+                <a16:creationId xmlns:a16="http://schemas.microsoft.com/office/drawing/2014/main" id="{4B6AA622-3C39-41EB-A34F-9A8286CACA53}"/>
+              </a:ext>
+            </a:extLst>
+          </p:cNvPr>
+          <p:cNvSpPr txBox="1"/>
+          <p:nvPr/>
+        </p:nvSpPr>
+        <p:spPr>
+          <a:xfrm>
+            <a:off x="3230538" y="8774668"/>
+            <a:ext cx="1339021" cy="369332"/>
+          </a:xfrm>
+          <a:prstGeom prst="rect">
+            <a:avLst/>
+          </a:prstGeom>
+          <a:noFill/>
+        </p:spPr>
+        <p:txBody>
+          <a:bodyPr wrap="none" rtlCol="0">
+            <a:spAutoFit/>
+          </a:bodyPr>
+          <a:lstStyle/>
+          <a:p>
+            <a:r>
+              <a:rPr lang="en-US" dirty="0">
+                <a:solidFill>
+                  <a:schemeClr val="bg1"/>
+                </a:solidFill>
+              </a:rPr>
+              <a:t>LY-CoV555</a:t>
+            </a:r>
+          </a:p>
+        </p:txBody>
+      </p:sp>
+      <p:pic>
+        <p:nvPicPr>
+          <p:cNvPr id="4" name="Picture 3">
+            <a:extLst>
+              <a:ext uri="{FF2B5EF4-FFF2-40B4-BE49-F238E27FC236}">
+                <a16:creationId xmlns:a16="http://schemas.microsoft.com/office/drawing/2014/main" id="{96106EAD-EDBA-288B-DBCA-F19AB9B50B1A}"/>
+              </a:ext>
+            </a:extLst>
+          </p:cNvPr>
+          <p:cNvPicPr>
+            <a:picLocks noChangeAspect="1"/>
+          </p:cNvPicPr>
+          <p:nvPr/>
+        </p:nvPicPr>
+        <p:blipFill>
+          <a:blip r:embed="rId3">
+            <a:extLst>
+              <a:ext uri="{28A0092B-C50C-407E-A947-70E740481C1C}">
+                <a14:useLocalDpi xmlns:a14="http://schemas.microsoft.com/office/drawing/2010/main" val="0"/>
+              </a:ext>
+            </a:extLst>
+          </a:blip>
+          <a:stretch>
+            <a:fillRect/>
+          </a:stretch>
+        </p:blipFill>
+        <p:spPr>
+          <a:xfrm>
+            <a:off x="4606290" y="4572000"/>
+            <a:ext cx="4572000" cy="4572000"/>
+          </a:xfrm>
+          <a:prstGeom prst="rect">
+            <a:avLst/>
+          </a:prstGeom>
+          <a:ln w="28575">
+            <a:solidFill>
+              <a:schemeClr val="tx1"/>
+            </a:solidFill>
+          </a:ln>
+        </p:spPr>
+      </p:pic>
+      <p:sp>
+        <p:nvSpPr>
+          <p:cNvPr id="6" name="TextBox 5">
+            <a:extLst>
+              <a:ext uri="{FF2B5EF4-FFF2-40B4-BE49-F238E27FC236}">
+                <a16:creationId xmlns:a16="http://schemas.microsoft.com/office/drawing/2014/main" id="{108C68BC-70E5-EC8A-7F44-A78C851DBC56}"/>
+              </a:ext>
+            </a:extLst>
+          </p:cNvPr>
+          <p:cNvSpPr txBox="1"/>
+          <p:nvPr/>
+        </p:nvSpPr>
+        <p:spPr>
+          <a:xfrm>
+            <a:off x="7711029" y="8774668"/>
+            <a:ext cx="1467261" cy="369332"/>
+          </a:xfrm>
+          <a:prstGeom prst="rect">
+            <a:avLst/>
+          </a:prstGeom>
+          <a:noFill/>
+        </p:spPr>
+        <p:txBody>
+          <a:bodyPr wrap="none" rtlCol="0">
+            <a:spAutoFit/>
+          </a:bodyPr>
+          <a:lstStyle/>
+          <a:p>
+            <a:r>
+              <a:rPr lang="en-US" dirty="0">
+                <a:solidFill>
+                  <a:schemeClr val="bg1"/>
+                </a:solidFill>
+              </a:rPr>
+              <a:t>LY-CoV1404</a:t>
+            </a:r>
+          </a:p>
+        </p:txBody>
+      </p:sp>
+      <p:pic>
+        <p:nvPicPr>
+          <p:cNvPr id="8" name="Picture 7">
+            <a:extLst>
+              <a:ext uri="{FF2B5EF4-FFF2-40B4-BE49-F238E27FC236}">
+                <a16:creationId xmlns:a16="http://schemas.microsoft.com/office/drawing/2014/main" id="{579FA043-D401-EB2B-27CB-658575C71C43}"/>
+              </a:ext>
+            </a:extLst>
+          </p:cNvPr>
+          <p:cNvPicPr>
+            <a:picLocks noChangeAspect="1"/>
+          </p:cNvPicPr>
+          <p:nvPr/>
+        </p:nvPicPr>
+        <p:blipFill>
+          <a:blip r:embed="rId4">
+            <a:extLst>
+              <a:ext uri="{28A0092B-C50C-407E-A947-70E740481C1C}">
+                <a14:useLocalDpi xmlns:a14="http://schemas.microsoft.com/office/drawing/2010/main" val="0"/>
+              </a:ext>
+            </a:extLst>
+          </a:blip>
+          <a:stretch>
+            <a:fillRect/>
+          </a:stretch>
+        </p:blipFill>
+        <p:spPr>
+          <a:xfrm>
+            <a:off x="9178290" y="4572000"/>
+            <a:ext cx="4572000" cy="4572000"/>
+          </a:xfrm>
+          <a:prstGeom prst="rect">
+            <a:avLst/>
+          </a:prstGeom>
+          <a:ln w="28575" cap="sq">
+            <a:solidFill>
+              <a:schemeClr val="tx1"/>
+            </a:solidFill>
+          </a:ln>
+        </p:spPr>
+      </p:pic>
+      <p:sp>
+        <p:nvSpPr>
+          <p:cNvPr id="10" name="TextBox 9">
+            <a:extLst>
+              <a:ext uri="{FF2B5EF4-FFF2-40B4-BE49-F238E27FC236}">
+                <a16:creationId xmlns:a16="http://schemas.microsoft.com/office/drawing/2014/main" id="{D8744BB4-7520-5BB8-9B63-10F79AE84973}"/>
+              </a:ext>
+            </a:extLst>
+          </p:cNvPr>
+          <p:cNvSpPr txBox="1"/>
+          <p:nvPr/>
+        </p:nvSpPr>
+        <p:spPr>
+          <a:xfrm>
+            <a:off x="12590998" y="8774668"/>
+            <a:ext cx="1159292" cy="369332"/>
+          </a:xfrm>
+          <a:prstGeom prst="rect">
+            <a:avLst/>
+          </a:prstGeom>
+          <a:noFill/>
+        </p:spPr>
+        <p:txBody>
+          <a:bodyPr wrap="none" rtlCol="0">
+            <a:spAutoFit/>
+          </a:bodyPr>
+          <a:lstStyle/>
+          <a:p>
+            <a:r>
+              <a:rPr lang="en-US" dirty="0">
+                <a:solidFill>
+                  <a:schemeClr val="bg1"/>
+                </a:solidFill>
+              </a:rPr>
+              <a:t>AZD8895</a:t>
+            </a:r>
+          </a:p>
+        </p:txBody>
+      </p:sp>
+    </p:spTree>
+    <p:extLst>
+      <p:ext uri="{BB962C8B-B14F-4D97-AF65-F5344CB8AC3E}">
+        <p14:creationId xmlns:p14="http://schemas.microsoft.com/office/powerpoint/2010/main" val="2249539515"/>
+      </p:ext>
+    </p:extLst>
+  </p:cSld>
+  <p:clrMapOvr>
+    <a:masterClrMapping/>
+  </p:clrMapOvr>
+</p:sld>
+</file>
+
 <file path=ppt/theme/theme1.xml><?xml version="1.0" encoding="utf-8"?>
 <a:theme xmlns:a="http://schemas.openxmlformats.org/drawingml/2006/main" name="Office Theme">
   <a:themeElements>
